--- a/pptx_engine/templates/bull-bear/thank-you.pptx
+++ b/pptx_engine/templates/bull-bear/thank-you.pptx
@@ -3088,154 +3088,26 @@
         <p:nvPr/>
       </p:nvGrpSpPr>
       <p:grpSpPr/>
-      <p:pic>
-        <p:nvPicPr>
-          <p:cNvPr id="2" name="Picture 1" descr="slide_14.png"/>
-          <p:cNvPicPr>
-            <a:picLocks noChangeAspect="1"/>
-          </p:cNvPicPr>
+      <p:sp>
+        <p:nvSpPr>
+          <p:cNvPr id="2" name="image_placeholder"/>
+          <p:cNvSpPr/>
           <p:nvPr/>
-        </p:nvPicPr>
-        <p:blipFill>
-          <a:blip r:embed="rId2"/>
-          <a:stretch>
-            <a:fillRect/>
-          </a:stretch>
-        </p:blipFill>
+        </p:nvSpPr>
         <p:spPr>
           <a:xfrm>
-            <a:off x="0" y="0"/>
-            <a:ext cx="24384030" cy="13716000"/>
-          </a:xfrm>
-          <a:prstGeom prst="rect">
-            <a:avLst/>
-          </a:prstGeom>
-        </p:spPr>
-      </p:pic>
-      <p:sp>
-        <p:nvSpPr>
-          <p:cNvPr id="3" name="breadcrumb"/>
-          <p:cNvSpPr txBox="1"/>
-          <p:nvPr/>
-        </p:nvSpPr>
-        <p:spPr>
-          <a:xfrm>
-            <a:off x="320040" y="164592"/>
-            <a:ext cx="2743200" cy="292608"/>
+            <a:off x="14780361" y="7225588"/>
+            <a:ext cx="4879878" cy="4879878"/>
           </a:xfrm>
           <a:prstGeom prst="rect">
             <a:avLst/>
           </a:prstGeom>
           <a:noFill/>
-        </p:spPr>
-        <p:txBody>
-          <a:bodyPr wrap="square">
-            <a:spAutoFit/>
-          </a:bodyPr>
-          <a:lstStyle/>
-          <a:p>
-            <a:pPr algn="l"/>
-            <a:r>
-              <a:rPr sz="1100" b="0">
-                <a:solidFill>
-                  <a:srgbClr val="FFFFFF"/>
-                </a:solidFill>
-                <a:latin typeface="Rajdhani"/>
-              </a:rPr>
-              <a:t>{{breadcrumb}}</a:t>
-            </a:r>
-          </a:p>
-        </p:txBody>
-      </p:sp>
-      <p:sp>
-        <p:nvSpPr>
-          <p:cNvPr id="4" name="heading"/>
-          <p:cNvSpPr txBox="1"/>
-          <p:nvPr/>
-        </p:nvSpPr>
-        <p:spPr>
-          <a:xfrm>
-            <a:off x="914400" y="548640"/>
-            <a:ext cx="10332720" cy="685800"/>
-          </a:xfrm>
-          <a:prstGeom prst="rect">
-            <a:avLst/>
-          </a:prstGeom>
-          <a:noFill/>
-        </p:spPr>
-        <p:txBody>
-          <a:bodyPr wrap="square">
-            <a:spAutoFit/>
-          </a:bodyPr>
-          <a:lstStyle/>
-          <a:p>
-            <a:pPr algn="ctr"/>
-            <a:r>
-              <a:rPr sz="4400" b="1">
-                <a:solidFill>
-                  <a:srgbClr val="FFFFFF"/>
-                </a:solidFill>
-                <a:latin typeface="Rajdhani"/>
-              </a:rPr>
-              <a:t>{{heading}}</a:t>
-            </a:r>
-          </a:p>
-        </p:txBody>
-      </p:sp>
-      <p:sp>
-        <p:nvSpPr>
-          <p:cNvPr id="5" name="subheading"/>
-          <p:cNvSpPr txBox="1"/>
-          <p:nvPr/>
-        </p:nvSpPr>
-        <p:spPr>
-          <a:xfrm>
-            <a:off x="914400" y="1325880"/>
-            <a:ext cx="10332720" cy="411480"/>
-          </a:xfrm>
-          <a:prstGeom prst="rect">
-            <a:avLst/>
-          </a:prstGeom>
-          <a:noFill/>
-        </p:spPr>
-        <p:txBody>
-          <a:bodyPr wrap="square">
-            <a:spAutoFit/>
-          </a:bodyPr>
-          <a:lstStyle/>
-          <a:p>
-            <a:pPr algn="ctr"/>
-            <a:r>
-              <a:rPr sz="1800" b="0">
-                <a:solidFill>
-                  <a:srgbClr val="FEC00F"/>
-                </a:solidFill>
-                <a:latin typeface="Quicksand"/>
-              </a:rPr>
-              <a:t>{{subheading}}</a:t>
-            </a:r>
-          </a:p>
-        </p:txBody>
-      </p:sp>
-      <p:sp>
-        <p:nvSpPr>
-          <p:cNvPr id="6" name="map_image"/>
-          <p:cNvSpPr/>
-          <p:nvPr/>
-        </p:nvSpPr>
-        <p:spPr>
-          <a:xfrm>
-            <a:off x="457200" y="1920240"/>
-            <a:ext cx="6217920" cy="4389120"/>
-          </a:xfrm>
-          <a:prstGeom prst="rect">
-            <a:avLst/>
-          </a:prstGeom>
-          <a:noFill/>
-          <a:ln w="12700">
+          <a:ln w="6350">
             <a:solidFill>
-              <a:srgbClr val="FEC00F"/>
+              <a:srgbClr val="CCCCCC"/>
             </a:solidFill>
+            <a:prstDash val="sysDash"/>
           </a:ln>
         </p:spPr>
         <p:style>
@@ -3262,58 +3134,24 @@
       </p:sp>
       <p:sp>
         <p:nvSpPr>
-          <p:cNvPr id="7" name="contact_url"/>
-          <p:cNvSpPr txBox="1"/>
+          <p:cNvPr id="3" name="image_placeholder"/>
+          <p:cNvSpPr/>
           <p:nvPr/>
         </p:nvSpPr>
         <p:spPr>
           <a:xfrm>
-            <a:off x="7132320" y="1920240"/>
-            <a:ext cx="4572000" cy="365760"/>
+            <a:off x="4463735" y="6364406"/>
+            <a:ext cx="8723284" cy="5741060"/>
           </a:xfrm>
           <a:prstGeom prst="rect">
             <a:avLst/>
           </a:prstGeom>
           <a:noFill/>
-        </p:spPr>
-        <p:txBody>
-          <a:bodyPr wrap="square">
-            <a:spAutoFit/>
-          </a:bodyPr>
-          <a:lstStyle/>
-          <a:p>
-            <a:pPr algn="l"/>
-            <a:r>
-              <a:rPr sz="1600" b="0">
-                <a:solidFill>
-                  <a:srgbClr val="FFFFFF"/>
-                </a:solidFill>
-                <a:latin typeface="Quicksand"/>
-              </a:rPr>
-              <a:t>{{contact_url}}</a:t>
-            </a:r>
-          </a:p>
-        </p:txBody>
-      </p:sp>
-      <p:sp>
-        <p:nvSpPr>
-          <p:cNvPr id="8" name="qr_code"/>
-          <p:cNvSpPr/>
-          <p:nvPr/>
-        </p:nvSpPr>
-        <p:spPr>
-          <a:xfrm>
-            <a:off x="7132320" y="2468880"/>
-            <a:ext cx="2286000" cy="2286000"/>
-          </a:xfrm>
-          <a:prstGeom prst="rect">
-            <a:avLst/>
-          </a:prstGeom>
-          <a:noFill/>
-          <a:ln w="12700">
+          <a:ln w="6350">
             <a:solidFill>
-              <a:srgbClr val="FEC00F"/>
+              <a:srgbClr val="CCCCCC"/>
             </a:solidFill>
+            <a:prstDash val="sysDash"/>
           </a:ln>
         </p:spPr>
         <p:style>
@@ -3335,6 +3173,146 @@
           <a:lstStyle/>
           <a:p>
             <a:pPr algn="ctr"/>
+          </a:p>
+        </p:txBody>
+      </p:sp>
+      <p:sp>
+        <p:nvSpPr>
+          <p:cNvPr id="4" name="TextBox 3"/>
+          <p:cNvSpPr txBox="1"/>
+          <p:nvPr/>
+        </p:nvSpPr>
+        <p:spPr>
+          <a:xfrm>
+            <a:off x="15169255" y="6364406"/>
+            <a:ext cx="4102181" cy="381030"/>
+          </a:xfrm>
+          <a:prstGeom prst="rect">
+            <a:avLst/>
+          </a:prstGeom>
+          <a:noFill/>
+        </p:spPr>
+        <p:txBody>
+          <a:bodyPr wrap="square">
+            <a:spAutoFit/>
+          </a:bodyPr>
+          <a:lstStyle/>
+          <a:p>
+            <a:pPr algn="ctr"/>
+            <a:r>
+              <a:rPr sz="3000" b="0" i="0">
+                <a:solidFill>
+                  <a:srgbClr val="FFFFFF"/>
+                </a:solidFill>
+                <a:latin typeface="Quicksand (TT)"/>
+              </a:rPr>
+              <a:t>potomac.com/contact</a:t>
+            </a:r>
+          </a:p>
+        </p:txBody>
+      </p:sp>
+      <p:sp>
+        <p:nvSpPr>
+          <p:cNvPr id="5" name="TextBox 4"/>
+          <p:cNvSpPr txBox="1"/>
+          <p:nvPr/>
+        </p:nvSpPr>
+        <p:spPr>
+          <a:xfrm>
+            <a:off x="4463735" y="4173138"/>
+            <a:ext cx="15456560" cy="381030"/>
+          </a:xfrm>
+          <a:prstGeom prst="rect">
+            <a:avLst/>
+          </a:prstGeom>
+          <a:noFill/>
+        </p:spPr>
+        <p:txBody>
+          <a:bodyPr wrap="square">
+            <a:spAutoFit/>
+          </a:bodyPr>
+          <a:lstStyle/>
+          <a:p>
+            <a:pPr algn="ctr"/>
+            <a:r>
+              <a:rPr sz="3000" b="0" i="0">
+                <a:solidFill>
+                  <a:srgbClr val="FEC00F"/>
+                </a:solidFill>
+                <a:latin typeface="Quicksand (TT)"/>
+              </a:rPr>
+              <a:t>We have a team of regional consultants across the country to support your business.</a:t>
+            </a:r>
+          </a:p>
+        </p:txBody>
+      </p:sp>
+      <p:sp>
+        <p:nvSpPr>
+          <p:cNvPr id="6" name="TextBox 5"/>
+          <p:cNvSpPr txBox="1"/>
+          <p:nvPr/>
+        </p:nvSpPr>
+        <p:spPr>
+          <a:xfrm>
+            <a:off x="1066830" y="1143000"/>
+            <a:ext cx="5333969" cy="559155"/>
+          </a:xfrm>
+          <a:prstGeom prst="rect">
+            <a:avLst/>
+          </a:prstGeom>
+          <a:noFill/>
+        </p:spPr>
+        <p:txBody>
+          <a:bodyPr wrap="square">
+            <a:spAutoFit/>
+          </a:bodyPr>
+          <a:lstStyle/>
+          <a:p>
+            <a:pPr algn="l"/>
+            <a:r>
+              <a:rPr sz="3600" b="0" i="0">
+                <a:solidFill>
+                  <a:srgbClr val="FFFFFF"/>
+                </a:solidFill>
+                <a:latin typeface="Rajdhani"/>
+              </a:rPr>
+              <a:t>Potomac</a:t>
+            </a:r>
+          </a:p>
+        </p:txBody>
+      </p:sp>
+      <p:sp>
+        <p:nvSpPr>
+          <p:cNvPr id="7" name="TextBox 6"/>
+          <p:cNvSpPr txBox="1"/>
+          <p:nvPr/>
+        </p:nvSpPr>
+        <p:spPr>
+          <a:xfrm>
+            <a:off x="3853921" y="2475463"/>
+            <a:ext cx="16676187" cy="1623060"/>
+          </a:xfrm>
+          <a:prstGeom prst="rect">
+            <a:avLst/>
+          </a:prstGeom>
+          <a:noFill/>
+        </p:spPr>
+        <p:txBody>
+          <a:bodyPr wrap="square">
+            <a:spAutoFit/>
+          </a:bodyPr>
+          <a:lstStyle/>
+          <a:p>
+            <a:pPr algn="ctr"/>
+            <a:r>
+              <a:rPr sz="6000" b="0" i="0">
+                <a:solidFill>
+                  <a:srgbClr val="FFFFFF"/>
+                </a:solidFill>
+                <a:latin typeface="Rajdhani"/>
+              </a:rPr>
+              <a:t>thank you!</a:t>
+            </a:r>
           </a:p>
         </p:txBody>
       </p:sp>

--- a/pptx_engine/templates/bull-bear/thank-you.pptx
+++ b/pptx_engine/templates/bull-bear/thank-you.pptx
@@ -3088,12 +3088,20 @@
         <p:nvPr/>
       </p:nvGrpSpPr>
       <p:grpSpPr/>
-      <p:sp>
-        <p:nvSpPr>
-          <p:cNvPr id="2" name="image_placeholder"/>
-          <p:cNvSpPr/>
+      <p:pic>
+        <p:nvPicPr>
+          <p:cNvPr id="2" name="Picture 1" descr="Potomac Master Presentation DM.png"/>
+          <p:cNvPicPr>
+            <a:picLocks noChangeAspect="1"/>
+          </p:cNvPicPr>
           <p:nvPr/>
-        </p:nvSpPr>
+        </p:nvPicPr>
+        <p:blipFill>
+          <a:blip r:embed="rId2"/>
+          <a:stretch>
+            <a:fillRect/>
+          </a:stretch>
+        </p:blipFill>
         <p:spPr>
           <a:xfrm>
             <a:off x="14780361" y="7225588"/>
@@ -3102,36 +3110,8 @@
           <a:prstGeom prst="rect">
             <a:avLst/>
           </a:prstGeom>
-          <a:noFill/>
-          <a:ln w="6350">
-            <a:solidFill>
-              <a:srgbClr val="CCCCCC"/>
-            </a:solidFill>
-            <a:prstDash val="sysDash"/>
-          </a:ln>
         </p:spPr>
-        <p:style>
-          <a:lnRef idx="1">
-            <a:schemeClr val="accent1"/>
-          </a:lnRef>
-          <a:fillRef idx="3">
-            <a:schemeClr val="accent1"/>
-          </a:fillRef>
-          <a:effectRef idx="2">
-            <a:schemeClr val="accent1"/>
-          </a:effectRef>
-          <a:fontRef idx="minor">
-            <a:schemeClr val="lt1"/>
-          </a:fontRef>
-        </p:style>
-        <p:txBody>
-          <a:bodyPr rtlCol="0" anchor="ctr"/>
-          <a:lstStyle/>
-          <a:p>
-            <a:pPr algn="ctr"/>
-          </a:p>
-        </p:txBody>
-      </p:sp>
+      </p:pic>
       <p:sp>
         <p:nvSpPr>
           <p:cNvPr id="3" name="image_placeholder"/>
